--- a/slides_folder/Complete.pptx
+++ b/slides_folder/Complete.pptx
@@ -13211,7 +13211,7 @@
           <a:lstStyle/>
           <a:p>
             <a:r>
-              <a:t>Title</a:t>
+              <a:t>Adolf Hitler - Wikipedia</a:t>
             </a:r>
           </a:p>
         </p:txBody>
@@ -13237,9 +13237,7 @@
           <a:bodyPr/>
           <a:lstStyle/>
           <a:p>
-            <a:r>
-              <a:t>Subtitle</a:t>
-            </a:r>
+            <a:endParaRPr lang="en-US"/>
           </a:p>
         </p:txBody>
       </p:sp>
